--- a/ThingSpaceTsM2.pptx
+++ b/ThingSpaceTsM2.pptx
@@ -313,7 +313,7 @@
           <a:p>
             <a:fld id="{D17C0673-4D49-4E82-8C72-D8AA60F272CB}" type="datetimeFigureOut">
               <a:rPr lang="pl-PL" smtClean="0"/>
-              <a:t>1.10.2025</a:t>
+              <a:t>25.11.2025</a:t>
             </a:fld>
             <a:endParaRPr lang="pl-PL"/>
           </a:p>
@@ -594,7 +594,7 @@
           <a:p>
             <a:fld id="{D17C0673-4D49-4E82-8C72-D8AA60F272CB}" type="datetimeFigureOut">
               <a:rPr lang="pl-PL" smtClean="0"/>
-              <a:t>1.10.2025</a:t>
+              <a:t>25.11.2025</a:t>
             </a:fld>
             <a:endParaRPr lang="pl-PL"/>
           </a:p>
@@ -786,7 +786,7 @@
           <a:p>
             <a:fld id="{D17C0673-4D49-4E82-8C72-D8AA60F272CB}" type="datetimeFigureOut">
               <a:rPr lang="pl-PL" smtClean="0"/>
-              <a:t>1.10.2025</a:t>
+              <a:t>25.11.2025</a:t>
             </a:fld>
             <a:endParaRPr lang="pl-PL"/>
           </a:p>
@@ -1047,7 +1047,7 @@
           <a:p>
             <a:fld id="{D17C0673-4D49-4E82-8C72-D8AA60F272CB}" type="datetimeFigureOut">
               <a:rPr lang="pl-PL" smtClean="0"/>
-              <a:t>1.10.2025</a:t>
+              <a:t>25.11.2025</a:t>
             </a:fld>
             <a:endParaRPr lang="pl-PL"/>
           </a:p>
@@ -1473,7 +1473,7 @@
           <a:p>
             <a:fld id="{D17C0673-4D49-4E82-8C72-D8AA60F272CB}" type="datetimeFigureOut">
               <a:rPr lang="pl-PL" smtClean="0"/>
-              <a:t>1.10.2025</a:t>
+              <a:t>25.11.2025</a:t>
             </a:fld>
             <a:endParaRPr lang="pl-PL"/>
           </a:p>
@@ -2019,7 +2019,7 @@
           <a:p>
             <a:fld id="{D17C0673-4D49-4E82-8C72-D8AA60F272CB}" type="datetimeFigureOut">
               <a:rPr lang="pl-PL" smtClean="0"/>
-              <a:t>1.10.2025</a:t>
+              <a:t>25.11.2025</a:t>
             </a:fld>
             <a:endParaRPr lang="pl-PL"/>
           </a:p>
@@ -2850,7 +2850,7 @@
           <a:p>
             <a:fld id="{D17C0673-4D49-4E82-8C72-D8AA60F272CB}" type="datetimeFigureOut">
               <a:rPr lang="pl-PL" smtClean="0"/>
-              <a:t>1.10.2025</a:t>
+              <a:t>25.11.2025</a:t>
             </a:fld>
             <a:endParaRPr lang="pl-PL"/>
           </a:p>
@@ -3020,7 +3020,7 @@
           <a:p>
             <a:fld id="{D17C0673-4D49-4E82-8C72-D8AA60F272CB}" type="datetimeFigureOut">
               <a:rPr lang="pl-PL" smtClean="0"/>
-              <a:t>1.10.2025</a:t>
+              <a:t>25.11.2025</a:t>
             </a:fld>
             <a:endParaRPr lang="pl-PL"/>
           </a:p>
@@ -3200,7 +3200,7 @@
           <a:p>
             <a:fld id="{D17C0673-4D49-4E82-8C72-D8AA60F272CB}" type="datetimeFigureOut">
               <a:rPr lang="pl-PL" smtClean="0"/>
-              <a:t>1.10.2025</a:t>
+              <a:t>25.11.2025</a:t>
             </a:fld>
             <a:endParaRPr lang="pl-PL"/>
           </a:p>
@@ -3370,7 +3370,7 @@
           <a:p>
             <a:fld id="{D17C0673-4D49-4E82-8C72-D8AA60F272CB}" type="datetimeFigureOut">
               <a:rPr lang="pl-PL" smtClean="0"/>
-              <a:t>1.10.2025</a:t>
+              <a:t>25.11.2025</a:t>
             </a:fld>
             <a:endParaRPr lang="pl-PL"/>
           </a:p>
@@ -3627,7 +3627,7 @@
           <a:p>
             <a:fld id="{D17C0673-4D49-4E82-8C72-D8AA60F272CB}" type="datetimeFigureOut">
               <a:rPr lang="pl-PL" smtClean="0"/>
-              <a:t>1.10.2025</a:t>
+              <a:t>25.11.2025</a:t>
             </a:fld>
             <a:endParaRPr lang="pl-PL"/>
           </a:p>
@@ -3859,7 +3859,7 @@
           <a:p>
             <a:fld id="{D17C0673-4D49-4E82-8C72-D8AA60F272CB}" type="datetimeFigureOut">
               <a:rPr lang="pl-PL" smtClean="0"/>
-              <a:t>1.10.2025</a:t>
+              <a:t>25.11.2025</a:t>
             </a:fld>
             <a:endParaRPr lang="pl-PL"/>
           </a:p>
@@ -4252,7 +4252,7 @@
           <a:p>
             <a:fld id="{D17C0673-4D49-4E82-8C72-D8AA60F272CB}" type="datetimeFigureOut">
               <a:rPr lang="pl-PL" smtClean="0"/>
-              <a:t>1.10.2025</a:t>
+              <a:t>25.11.2025</a:t>
             </a:fld>
             <a:endParaRPr lang="pl-PL"/>
           </a:p>
@@ -4370,7 +4370,7 @@
           <a:p>
             <a:fld id="{D17C0673-4D49-4E82-8C72-D8AA60F272CB}" type="datetimeFigureOut">
               <a:rPr lang="pl-PL" smtClean="0"/>
-              <a:t>1.10.2025</a:t>
+              <a:t>25.11.2025</a:t>
             </a:fld>
             <a:endParaRPr lang="pl-PL"/>
           </a:p>
@@ -4465,7 +4465,7 @@
           <a:p>
             <a:fld id="{D17C0673-4D49-4E82-8C72-D8AA60F272CB}" type="datetimeFigureOut">
               <a:rPr lang="pl-PL" smtClean="0"/>
-              <a:t>1.10.2025</a:t>
+              <a:t>25.11.2025</a:t>
             </a:fld>
             <a:endParaRPr lang="pl-PL"/>
           </a:p>
@@ -4738,7 +4738,7 @@
           <a:p>
             <a:fld id="{D17C0673-4D49-4E82-8C72-D8AA60F272CB}" type="datetimeFigureOut">
               <a:rPr lang="pl-PL" smtClean="0"/>
-              <a:t>1.10.2025</a:t>
+              <a:t>25.11.2025</a:t>
             </a:fld>
             <a:endParaRPr lang="pl-PL"/>
           </a:p>
@@ -5019,7 +5019,7 @@
           <a:p>
             <a:fld id="{D17C0673-4D49-4E82-8C72-D8AA60F272CB}" type="datetimeFigureOut">
               <a:rPr lang="pl-PL" smtClean="0"/>
-              <a:t>1.10.2025</a:t>
+              <a:t>25.11.2025</a:t>
             </a:fld>
             <a:endParaRPr lang="pl-PL"/>
           </a:p>
@@ -5259,7 +5259,7 @@
           <a:p>
             <a:fld id="{D17C0673-4D49-4E82-8C72-D8AA60F272CB}" type="datetimeFigureOut">
               <a:rPr lang="pl-PL" smtClean="0"/>
-              <a:t>1.10.2025</a:t>
+              <a:t>25.11.2025</a:t>
             </a:fld>
             <a:endParaRPr lang="pl-PL"/>
           </a:p>
@@ -6753,7 +6753,7 @@
         </p:nvSpPr>
         <p:spPr>
           <a:xfrm>
-            <a:off x="5386890" y="3311176"/>
+            <a:off x="5395944" y="3239886"/>
             <a:ext cx="1632166" cy="281848"/>
           </a:xfrm>
           <a:prstGeom prst="ellipse">
@@ -6803,7 +6803,7 @@
         </p:nvSpPr>
         <p:spPr>
           <a:xfrm>
-            <a:off x="5386890" y="3764961"/>
+            <a:off x="5355054" y="3954802"/>
             <a:ext cx="1632166" cy="281848"/>
           </a:xfrm>
           <a:prstGeom prst="ellipse">
@@ -6853,7 +6853,7 @@
         </p:nvSpPr>
         <p:spPr>
           <a:xfrm>
-            <a:off x="5386890" y="4228486"/>
+            <a:off x="5370972" y="4345057"/>
             <a:ext cx="1632166" cy="281848"/>
           </a:xfrm>
           <a:prstGeom prst="ellipse">
@@ -6882,12 +6882,8 @@
           <a:p>
             <a:pPr algn="ctr"/>
             <a:r>
-              <a:rPr lang="en-IE" sz="1200"/>
-              <a:t>Delete </a:t>
-            </a:r>
-            <a:r>
               <a:rPr lang="en-IE" sz="1200" dirty="0"/>
-              <a:t>Note</a:t>
+              <a:t>Delete Note</a:t>
             </a:r>
             <a:endParaRPr lang="pl-PL" sz="1200" dirty="0"/>
           </a:p>
@@ -7806,90 +7802,6 @@
           </a:fontRef>
         </p:style>
       </p:cxnSp>
-      <p:cxnSp>
-        <p:nvCxnSpPr>
-          <p:cNvPr id="40" name="Straight Arrow Connector 39">
-            <a:extLst>
-              <a:ext uri="{FF2B5EF4-FFF2-40B4-BE49-F238E27FC236}">
-                <a16:creationId xmlns:a16="http://schemas.microsoft.com/office/drawing/2014/main" id="{5D42D085-9091-1210-81DE-AFD50E4670FE}"/>
-              </a:ext>
-            </a:extLst>
-          </p:cNvPr>
-          <p:cNvCxnSpPr>
-            <a:stCxn id="21" idx="6"/>
-            <a:endCxn id="7" idx="2"/>
-          </p:cNvCxnSpPr>
-          <p:nvPr/>
-        </p:nvCxnSpPr>
-        <p:spPr>
-          <a:xfrm flipV="1">
-            <a:off x="4856492" y="2998315"/>
-            <a:ext cx="530398" cy="753276"/>
-          </a:xfrm>
-          <a:prstGeom prst="straightConnector1">
-            <a:avLst/>
-          </a:prstGeom>
-          <a:ln w="9525" cap="flat" cmpd="sng" algn="ctr">
-            <a:solidFill>
-              <a:schemeClr val="accent6"/>
-            </a:solidFill>
-            <a:prstDash val="solid"/>
-            <a:round/>
-            <a:headEnd type="none" w="med" len="med"/>
-            <a:tailEnd type="arrow" w="med" len="med"/>
-          </a:ln>
-        </p:spPr>
-        <p:style>
-          <a:lnRef idx="0">
-            <a:scrgbClr r="0" g="0" b="0"/>
-          </a:lnRef>
-          <a:fillRef idx="0">
-            <a:scrgbClr r="0" g="0" b="0"/>
-          </a:fillRef>
-          <a:effectRef idx="0">
-            <a:scrgbClr r="0" g="0" b="0"/>
-          </a:effectRef>
-          <a:fontRef idx="minor">
-            <a:schemeClr val="tx1"/>
-          </a:fontRef>
-        </p:style>
-      </p:cxnSp>
-      <p:sp>
-        <p:nvSpPr>
-          <p:cNvPr id="41" name="TextBox 40">
-            <a:extLst>
-              <a:ext uri="{FF2B5EF4-FFF2-40B4-BE49-F238E27FC236}">
-                <a16:creationId xmlns:a16="http://schemas.microsoft.com/office/drawing/2014/main" id="{D8D426D8-554C-7FAF-2A90-AB62212D266E}"/>
-              </a:ext>
-            </a:extLst>
-          </p:cNvPr>
-          <p:cNvSpPr txBox="1"/>
-          <p:nvPr/>
-        </p:nvSpPr>
-        <p:spPr>
-          <a:xfrm>
-            <a:off x="4567962" y="3392774"/>
-            <a:ext cx="960519" cy="276999"/>
-          </a:xfrm>
-          <a:prstGeom prst="rect">
-            <a:avLst/>
-          </a:prstGeom>
-          <a:noFill/>
-        </p:spPr>
-        <p:txBody>
-          <a:bodyPr wrap="none" rtlCol="0">
-            <a:spAutoFit/>
-          </a:bodyPr>
-          <a:lstStyle/>
-          <a:p>
-            <a:r>
-              <a:rPr lang="en-IE" sz="1200" dirty="0"/>
-              <a:t>&lt;&lt;Include&gt;&gt;</a:t>
-            </a:r>
-            <a:endParaRPr lang="pl-PL" sz="1200" dirty="0"/>
-          </a:p>
-        </p:txBody>
-      </p:sp>
       <p:sp>
         <p:nvSpPr>
           <p:cNvPr id="42" name="Oval 41">
@@ -7904,7 +7816,7 @@
         </p:nvSpPr>
         <p:spPr>
           <a:xfrm>
-            <a:off x="1154719" y="4353929"/>
+            <a:off x="1178741" y="4618402"/>
             <a:ext cx="235973" cy="171937"/>
           </a:xfrm>
           <a:prstGeom prst="ellipse">
@@ -7953,7 +7865,7 @@
         </p:nvCxnSpPr>
         <p:spPr>
           <a:xfrm>
-            <a:off x="1272706" y="4525866"/>
+            <a:off x="1296728" y="4790339"/>
             <a:ext cx="0" cy="584398"/>
           </a:xfrm>
           <a:prstGeom prst="line">
@@ -7989,7 +7901,7 @@
         </p:nvCxnSpPr>
         <p:spPr>
           <a:xfrm flipV="1">
-            <a:off x="1154719" y="5110264"/>
+            <a:off x="1178741" y="5374737"/>
             <a:ext cx="117987" cy="113786"/>
           </a:xfrm>
           <a:prstGeom prst="line">
@@ -8025,7 +7937,7 @@
         </p:nvCxnSpPr>
         <p:spPr>
           <a:xfrm>
-            <a:off x="1272706" y="5110264"/>
+            <a:off x="1296728" y="5374737"/>
             <a:ext cx="117986" cy="113786"/>
           </a:xfrm>
           <a:prstGeom prst="line">
@@ -8061,7 +7973,7 @@
         </p:nvCxnSpPr>
         <p:spPr>
           <a:xfrm flipV="1">
-            <a:off x="1154719" y="4707142"/>
+            <a:off x="1178741" y="4971615"/>
             <a:ext cx="117987" cy="100572"/>
           </a:xfrm>
           <a:prstGeom prst="line">
@@ -8097,7 +8009,7 @@
         </p:nvCxnSpPr>
         <p:spPr>
           <a:xfrm>
-            <a:off x="1272706" y="4707142"/>
+            <a:off x="1296728" y="4971615"/>
             <a:ext cx="117986" cy="100572"/>
           </a:xfrm>
           <a:prstGeom prst="line">
@@ -8136,8 +8048,8 @@
         </p:nvCxnSpPr>
         <p:spPr>
           <a:xfrm flipV="1">
-            <a:off x="1272706" y="4005699"/>
-            <a:ext cx="0" cy="348230"/>
+            <a:off x="1296728" y="3544882"/>
+            <a:ext cx="21288" cy="1073520"/>
           </a:xfrm>
           <a:prstGeom prst="straightConnector1">
             <a:avLst/>
@@ -8211,7 +8123,7 @@
         </p:nvSpPr>
         <p:spPr>
           <a:xfrm>
-            <a:off x="-14800" y="4525866"/>
+            <a:off x="56862" y="5039089"/>
             <a:ext cx="1283878" cy="646331"/>
           </a:xfrm>
           <a:prstGeom prst="rect">
@@ -8804,7 +8716,7 @@
         </p:nvCxnSpPr>
         <p:spPr>
           <a:xfrm flipH="1">
-            <a:off x="7019056" y="4369410"/>
+            <a:off x="7003138" y="4485981"/>
             <a:ext cx="532118" cy="0"/>
           </a:xfrm>
           <a:prstGeom prst="straightConnector1">
@@ -8845,7 +8757,7 @@
         </p:nvCxnSpPr>
         <p:spPr>
           <a:xfrm flipH="1" flipV="1">
-            <a:off x="7019056" y="3905885"/>
+            <a:off x="6987220" y="4095726"/>
             <a:ext cx="532118" cy="15532"/>
           </a:xfrm>
           <a:prstGeom prst="straightConnector1">
@@ -8886,7 +8798,7 @@
         </p:nvCxnSpPr>
         <p:spPr>
           <a:xfrm flipH="1">
-            <a:off x="7019056" y="3452100"/>
+            <a:off x="7028110" y="3380810"/>
             <a:ext cx="532118" cy="0"/>
           </a:xfrm>
           <a:prstGeom prst="straightConnector1">
@@ -9300,7 +9212,7 @@
         </p:nvSpPr>
         <p:spPr>
           <a:xfrm>
-            <a:off x="1147584" y="3115565"/>
+            <a:off x="1114109" y="2702873"/>
             <a:ext cx="235973" cy="171937"/>
           </a:xfrm>
           <a:prstGeom prst="ellipse">
@@ -9349,7 +9261,7 @@
         </p:nvCxnSpPr>
         <p:spPr>
           <a:xfrm>
-            <a:off x="1265571" y="3287502"/>
+            <a:off x="1232096" y="2874810"/>
             <a:ext cx="0" cy="584398"/>
           </a:xfrm>
           <a:prstGeom prst="line">
@@ -9385,7 +9297,7 @@
         </p:nvCxnSpPr>
         <p:spPr>
           <a:xfrm flipV="1">
-            <a:off x="1147584" y="3871900"/>
+            <a:off x="1091631" y="3046108"/>
             <a:ext cx="117987" cy="113786"/>
           </a:xfrm>
           <a:prstGeom prst="line">
@@ -9421,7 +9333,7 @@
         </p:nvCxnSpPr>
         <p:spPr>
           <a:xfrm>
-            <a:off x="1265571" y="3871900"/>
+            <a:off x="1217111" y="2996804"/>
             <a:ext cx="117986" cy="113786"/>
           </a:xfrm>
           <a:prstGeom prst="line">
@@ -9457,7 +9369,7 @@
         </p:nvCxnSpPr>
         <p:spPr>
           <a:xfrm flipV="1">
-            <a:off x="1147584" y="3468778"/>
+            <a:off x="1123050" y="3419257"/>
             <a:ext cx="117987" cy="100572"/>
           </a:xfrm>
           <a:prstGeom prst="line">
@@ -9493,7 +9405,7 @@
         </p:nvCxnSpPr>
         <p:spPr>
           <a:xfrm>
-            <a:off x="1265571" y="3468778"/>
+            <a:off x="1247728" y="3452100"/>
             <a:ext cx="117986" cy="100572"/>
           </a:xfrm>
           <a:prstGeom prst="line">
@@ -9526,14 +9438,13 @@
           </p:cNvPr>
           <p:cNvCxnSpPr>
             <a:cxnSpLocks/>
-            <a:stCxn id="29" idx="0"/>
           </p:cNvCxnSpPr>
           <p:nvPr/>
         </p:nvCxnSpPr>
         <p:spPr>
-          <a:xfrm flipH="1" flipV="1">
-            <a:off x="1253582" y="2469501"/>
-            <a:ext cx="11989" cy="646064"/>
+          <a:xfrm flipV="1">
+            <a:off x="1231475" y="2469501"/>
+            <a:ext cx="22107" cy="215953"/>
           </a:xfrm>
           <a:prstGeom prst="straightConnector1">
             <a:avLst/>
@@ -9571,7 +9482,7 @@
         </p:nvSpPr>
         <p:spPr>
           <a:xfrm>
-            <a:off x="-21935" y="3287502"/>
+            <a:off x="-21935" y="2707893"/>
             <a:ext cx="1283878" cy="646331"/>
           </a:xfrm>
           <a:prstGeom prst="rect">
@@ -9611,14 +9522,15 @@
           </p:cNvPr>
           <p:cNvCxnSpPr>
             <a:cxnSpLocks/>
+            <a:stCxn id="48" idx="3"/>
             <a:endCxn id="20" idx="2"/>
           </p:cNvCxnSpPr>
           <p:nvPr/>
         </p:nvCxnSpPr>
         <p:spPr>
-          <a:xfrm flipV="1">
-            <a:off x="1408252" y="3303833"/>
-            <a:ext cx="716793" cy="241049"/>
+          <a:xfrm>
+            <a:off x="1261943" y="3031059"/>
+            <a:ext cx="863102" cy="272774"/>
           </a:xfrm>
           <a:prstGeom prst="straightConnector1">
             <a:avLst/>
@@ -9746,14 +9658,16 @@
             </a:extLst>
           </p:cNvPr>
           <p:cNvCxnSpPr>
+            <a:cxnSpLocks/>
+            <a:stCxn id="48" idx="3"/>
             <a:endCxn id="21" idx="2"/>
           </p:cNvCxnSpPr>
           <p:nvPr/>
         </p:nvCxnSpPr>
         <p:spPr>
           <a:xfrm>
-            <a:off x="1435510" y="3544882"/>
-            <a:ext cx="672866" cy="206709"/>
+            <a:off x="1261943" y="3031059"/>
+            <a:ext cx="846433" cy="720532"/>
           </a:xfrm>
           <a:prstGeom prst="straightConnector1">
             <a:avLst/>
@@ -9777,47 +9691,6 @@
           </a:fontRef>
         </p:style>
       </p:cxnSp>
-      <p:cxnSp>
-        <p:nvCxnSpPr>
-          <p:cNvPr id="79" name="Straight Arrow Connector 78">
-            <a:extLst>
-              <a:ext uri="{FF2B5EF4-FFF2-40B4-BE49-F238E27FC236}">
-                <a16:creationId xmlns:a16="http://schemas.microsoft.com/office/drawing/2014/main" id="{386218AC-5B0F-142F-0221-9204CE71B22F}"/>
-              </a:ext>
-            </a:extLst>
-          </p:cNvPr>
-          <p:cNvCxnSpPr>
-            <a:endCxn id="22" idx="2"/>
-          </p:cNvCxnSpPr>
-          <p:nvPr/>
-        </p:nvCxnSpPr>
-        <p:spPr>
-          <a:xfrm>
-            <a:off x="1435510" y="3544882"/>
-            <a:ext cx="689535" cy="662220"/>
-          </a:xfrm>
-          <a:prstGeom prst="straightConnector1">
-            <a:avLst/>
-          </a:prstGeom>
-          <a:ln>
-            <a:tailEnd type="triangle"/>
-          </a:ln>
-        </p:spPr>
-        <p:style>
-          <a:lnRef idx="1">
-            <a:schemeClr val="accent6"/>
-          </a:lnRef>
-          <a:fillRef idx="0">
-            <a:schemeClr val="accent6"/>
-          </a:fillRef>
-          <a:effectRef idx="0">
-            <a:schemeClr val="accent6"/>
-          </a:effectRef>
-          <a:fontRef idx="minor">
-            <a:schemeClr val="tx1"/>
-          </a:fontRef>
-        </p:style>
-      </p:cxnSp>
       <p:sp>
         <p:nvSpPr>
           <p:cNvPr id="83" name="TextBox 82">
@@ -9832,7 +9705,7 @@
         </p:nvSpPr>
         <p:spPr>
           <a:xfrm>
-            <a:off x="7804462" y="3887426"/>
+            <a:off x="7836917" y="2463136"/>
             <a:ext cx="1197764" cy="584775"/>
           </a:xfrm>
           <a:prstGeom prst="rect">
@@ -9878,9 +9751,9 @@
           <p:nvPr/>
         </p:nvCxnSpPr>
         <p:spPr>
-          <a:xfrm>
-            <a:off x="7019056" y="2998315"/>
-            <a:ext cx="785406" cy="1181499"/>
+          <a:xfrm flipV="1">
+            <a:off x="7019056" y="2755524"/>
+            <a:ext cx="817861" cy="242791"/>
           </a:xfrm>
           <a:prstGeom prst="straightConnector1">
             <a:avLst/>
@@ -9921,8 +9794,8 @@
         </p:nvCxnSpPr>
         <p:spPr>
           <a:xfrm flipV="1">
-            <a:off x="7019056" y="4179814"/>
-            <a:ext cx="785406" cy="1116646"/>
+            <a:off x="7019056" y="2755524"/>
+            <a:ext cx="817861" cy="2540936"/>
           </a:xfrm>
           <a:prstGeom prst="straightConnector1">
             <a:avLst/>
@@ -9946,6 +9819,709 @@
           </a:fontRef>
         </p:style>
       </p:cxnSp>
+      <p:sp>
+        <p:nvSpPr>
+          <p:cNvPr id="52" name="Oval 51">
+            <a:extLst>
+              <a:ext uri="{FF2B5EF4-FFF2-40B4-BE49-F238E27FC236}">
+                <a16:creationId xmlns:a16="http://schemas.microsoft.com/office/drawing/2014/main" id="{674DDDEC-225E-A96F-3940-86F310712A8D}"/>
+              </a:ext>
+            </a:extLst>
+          </p:cNvPr>
+          <p:cNvSpPr/>
+          <p:nvPr/>
+        </p:nvSpPr>
+        <p:spPr>
+          <a:xfrm>
+            <a:off x="661852" y="3644328"/>
+            <a:ext cx="235973" cy="171937"/>
+          </a:xfrm>
+          <a:prstGeom prst="ellipse">
+            <a:avLst/>
+          </a:prstGeom>
+        </p:spPr>
+        <p:style>
+          <a:lnRef idx="2">
+            <a:schemeClr val="accent1">
+              <a:shade val="15000"/>
+            </a:schemeClr>
+          </a:lnRef>
+          <a:fillRef idx="1">
+            <a:schemeClr val="accent1"/>
+          </a:fillRef>
+          <a:effectRef idx="0">
+            <a:schemeClr val="accent1"/>
+          </a:effectRef>
+          <a:fontRef idx="minor">
+            <a:schemeClr val="lt1"/>
+          </a:fontRef>
+        </p:style>
+        <p:txBody>
+          <a:bodyPr rtlCol="0" anchor="ctr"/>
+          <a:lstStyle/>
+          <a:p>
+            <a:pPr algn="ctr"/>
+            <a:endParaRPr lang="pl-PL"/>
+          </a:p>
+        </p:txBody>
+      </p:sp>
+      <p:cxnSp>
+        <p:nvCxnSpPr>
+          <p:cNvPr id="53" name="Straight Connector 52">
+            <a:extLst>
+              <a:ext uri="{FF2B5EF4-FFF2-40B4-BE49-F238E27FC236}">
+                <a16:creationId xmlns:a16="http://schemas.microsoft.com/office/drawing/2014/main" id="{7DAA5E46-8094-D32F-2781-DF0FE91749BB}"/>
+              </a:ext>
+            </a:extLst>
+          </p:cNvPr>
+          <p:cNvCxnSpPr>
+            <a:cxnSpLocks/>
+            <a:stCxn id="52" idx="4"/>
+          </p:cNvCxnSpPr>
+          <p:nvPr/>
+        </p:nvCxnSpPr>
+        <p:spPr>
+          <a:xfrm>
+            <a:off x="779839" y="3816265"/>
+            <a:ext cx="0" cy="363549"/>
+          </a:xfrm>
+          <a:prstGeom prst="line">
+            <a:avLst/>
+          </a:prstGeom>
+        </p:spPr>
+        <p:style>
+          <a:lnRef idx="1">
+            <a:schemeClr val="accent1"/>
+          </a:lnRef>
+          <a:fillRef idx="0">
+            <a:schemeClr val="accent1"/>
+          </a:fillRef>
+          <a:effectRef idx="0">
+            <a:schemeClr val="accent1"/>
+          </a:effectRef>
+          <a:fontRef idx="minor">
+            <a:schemeClr val="tx1"/>
+          </a:fontRef>
+        </p:style>
+      </p:cxnSp>
+      <p:cxnSp>
+        <p:nvCxnSpPr>
+          <p:cNvPr id="54" name="Straight Connector 53">
+            <a:extLst>
+              <a:ext uri="{FF2B5EF4-FFF2-40B4-BE49-F238E27FC236}">
+                <a16:creationId xmlns:a16="http://schemas.microsoft.com/office/drawing/2014/main" id="{A7BE247F-6FF5-4970-0F10-C67B8A00203B}"/>
+              </a:ext>
+            </a:extLst>
+          </p:cNvPr>
+          <p:cNvCxnSpPr/>
+          <p:nvPr/>
+        </p:nvCxnSpPr>
+        <p:spPr>
+          <a:xfrm flipV="1">
+            <a:off x="677245" y="4153107"/>
+            <a:ext cx="117987" cy="113786"/>
+          </a:xfrm>
+          <a:prstGeom prst="line">
+            <a:avLst/>
+          </a:prstGeom>
+        </p:spPr>
+        <p:style>
+          <a:lnRef idx="1">
+            <a:schemeClr val="accent1"/>
+          </a:lnRef>
+          <a:fillRef idx="0">
+            <a:schemeClr val="accent1"/>
+          </a:fillRef>
+          <a:effectRef idx="0">
+            <a:schemeClr val="accent1"/>
+          </a:effectRef>
+          <a:fontRef idx="minor">
+            <a:schemeClr val="tx1"/>
+          </a:fontRef>
+        </p:style>
+      </p:cxnSp>
+      <p:cxnSp>
+        <p:nvCxnSpPr>
+          <p:cNvPr id="56" name="Straight Connector 55">
+            <a:extLst>
+              <a:ext uri="{FF2B5EF4-FFF2-40B4-BE49-F238E27FC236}">
+                <a16:creationId xmlns:a16="http://schemas.microsoft.com/office/drawing/2014/main" id="{95BF2280-ACAF-83F9-7AAD-6AB319D13D4C}"/>
+              </a:ext>
+            </a:extLst>
+          </p:cNvPr>
+          <p:cNvCxnSpPr/>
+          <p:nvPr/>
+        </p:nvCxnSpPr>
+        <p:spPr>
+          <a:xfrm>
+            <a:off x="809295" y="4179813"/>
+            <a:ext cx="117986" cy="113786"/>
+          </a:xfrm>
+          <a:prstGeom prst="line">
+            <a:avLst/>
+          </a:prstGeom>
+        </p:spPr>
+        <p:style>
+          <a:lnRef idx="1">
+            <a:schemeClr val="accent1"/>
+          </a:lnRef>
+          <a:fillRef idx="0">
+            <a:schemeClr val="accent1"/>
+          </a:fillRef>
+          <a:effectRef idx="0">
+            <a:schemeClr val="accent1"/>
+          </a:effectRef>
+          <a:fontRef idx="minor">
+            <a:schemeClr val="tx1"/>
+          </a:fontRef>
+        </p:style>
+      </p:cxnSp>
+      <p:cxnSp>
+        <p:nvCxnSpPr>
+          <p:cNvPr id="57" name="Straight Connector 56">
+            <a:extLst>
+              <a:ext uri="{FF2B5EF4-FFF2-40B4-BE49-F238E27FC236}">
+                <a16:creationId xmlns:a16="http://schemas.microsoft.com/office/drawing/2014/main" id="{0BA0A290-DE19-AB6C-3A59-64C5B9EE8E63}"/>
+              </a:ext>
+            </a:extLst>
+          </p:cNvPr>
+          <p:cNvCxnSpPr/>
+          <p:nvPr/>
+        </p:nvCxnSpPr>
+        <p:spPr>
+          <a:xfrm flipV="1">
+            <a:off x="661852" y="3997541"/>
+            <a:ext cx="117987" cy="100572"/>
+          </a:xfrm>
+          <a:prstGeom prst="line">
+            <a:avLst/>
+          </a:prstGeom>
+        </p:spPr>
+        <p:style>
+          <a:lnRef idx="1">
+            <a:schemeClr val="accent1"/>
+          </a:lnRef>
+          <a:fillRef idx="0">
+            <a:schemeClr val="accent1"/>
+          </a:fillRef>
+          <a:effectRef idx="0">
+            <a:schemeClr val="accent1"/>
+          </a:effectRef>
+          <a:fontRef idx="minor">
+            <a:schemeClr val="tx1"/>
+          </a:fontRef>
+        </p:style>
+      </p:cxnSp>
+      <p:cxnSp>
+        <p:nvCxnSpPr>
+          <p:cNvPr id="58" name="Straight Connector 57">
+            <a:extLst>
+              <a:ext uri="{FF2B5EF4-FFF2-40B4-BE49-F238E27FC236}">
+                <a16:creationId xmlns:a16="http://schemas.microsoft.com/office/drawing/2014/main" id="{2C27BB73-2713-9476-7002-51612792A154}"/>
+              </a:ext>
+            </a:extLst>
+          </p:cNvPr>
+          <p:cNvCxnSpPr/>
+          <p:nvPr/>
+        </p:nvCxnSpPr>
+        <p:spPr>
+          <a:xfrm>
+            <a:off x="779839" y="3997541"/>
+            <a:ext cx="117986" cy="100572"/>
+          </a:xfrm>
+          <a:prstGeom prst="line">
+            <a:avLst/>
+          </a:prstGeom>
+        </p:spPr>
+        <p:style>
+          <a:lnRef idx="1">
+            <a:schemeClr val="accent1"/>
+          </a:lnRef>
+          <a:fillRef idx="0">
+            <a:schemeClr val="accent1"/>
+          </a:fillRef>
+          <a:effectRef idx="0">
+            <a:schemeClr val="accent1"/>
+          </a:effectRef>
+          <a:fontRef idx="minor">
+            <a:schemeClr val="tx1"/>
+          </a:fontRef>
+        </p:style>
+      </p:cxnSp>
+      <p:cxnSp>
+        <p:nvCxnSpPr>
+          <p:cNvPr id="63" name="Straight Arrow Connector 62">
+            <a:extLst>
+              <a:ext uri="{FF2B5EF4-FFF2-40B4-BE49-F238E27FC236}">
+                <a16:creationId xmlns:a16="http://schemas.microsoft.com/office/drawing/2014/main" id="{322B8D73-F140-417C-4FAD-973CF9A12106}"/>
+              </a:ext>
+            </a:extLst>
+          </p:cNvPr>
+          <p:cNvCxnSpPr>
+            <a:endCxn id="22" idx="2"/>
+          </p:cNvCxnSpPr>
+          <p:nvPr/>
+        </p:nvCxnSpPr>
+        <p:spPr>
+          <a:xfrm>
+            <a:off x="805631" y="4046809"/>
+            <a:ext cx="1319414" cy="160293"/>
+          </a:xfrm>
+          <a:prstGeom prst="straightConnector1">
+            <a:avLst/>
+          </a:prstGeom>
+          <a:ln>
+            <a:tailEnd type="triangle"/>
+          </a:ln>
+        </p:spPr>
+        <p:style>
+          <a:lnRef idx="1">
+            <a:schemeClr val="accent6"/>
+          </a:lnRef>
+          <a:fillRef idx="0">
+            <a:schemeClr val="accent6"/>
+          </a:fillRef>
+          <a:effectRef idx="0">
+            <a:schemeClr val="accent6"/>
+          </a:effectRef>
+          <a:fontRef idx="minor">
+            <a:schemeClr val="tx1"/>
+          </a:fontRef>
+        </p:style>
+      </p:cxnSp>
+      <p:cxnSp>
+        <p:nvCxnSpPr>
+          <p:cNvPr id="67" name="Straight Arrow Connector 66">
+            <a:extLst>
+              <a:ext uri="{FF2B5EF4-FFF2-40B4-BE49-F238E27FC236}">
+                <a16:creationId xmlns:a16="http://schemas.microsoft.com/office/drawing/2014/main" id="{DC5A00FC-3103-1646-BE44-B0EE1A7804F1}"/>
+              </a:ext>
+            </a:extLst>
+          </p:cNvPr>
+          <p:cNvCxnSpPr>
+            <a:stCxn id="52" idx="6"/>
+          </p:cNvCxnSpPr>
+          <p:nvPr/>
+        </p:nvCxnSpPr>
+        <p:spPr>
+          <a:xfrm flipV="1">
+            <a:off x="897825" y="3519829"/>
+            <a:ext cx="319286" cy="210468"/>
+          </a:xfrm>
+          <a:prstGeom prst="straightConnector1">
+            <a:avLst/>
+          </a:prstGeom>
+          <a:ln>
+            <a:tailEnd type="triangle"/>
+          </a:ln>
+        </p:spPr>
+        <p:style>
+          <a:lnRef idx="1">
+            <a:schemeClr val="accent6"/>
+          </a:lnRef>
+          <a:fillRef idx="0">
+            <a:schemeClr val="accent6"/>
+          </a:fillRef>
+          <a:effectRef idx="0">
+            <a:schemeClr val="accent6"/>
+          </a:effectRef>
+          <a:fontRef idx="minor">
+            <a:schemeClr val="tx1"/>
+          </a:fontRef>
+        </p:style>
+      </p:cxnSp>
+      <p:sp>
+        <p:nvSpPr>
+          <p:cNvPr id="84" name="TextBox 83">
+            <a:extLst>
+              <a:ext uri="{FF2B5EF4-FFF2-40B4-BE49-F238E27FC236}">
+                <a16:creationId xmlns:a16="http://schemas.microsoft.com/office/drawing/2014/main" id="{7E96FD0E-6002-1F18-A029-1E1585DBAC3A}"/>
+              </a:ext>
+            </a:extLst>
+          </p:cNvPr>
+          <p:cNvSpPr txBox="1"/>
+          <p:nvPr/>
+        </p:nvSpPr>
+        <p:spPr>
+          <a:xfrm>
+            <a:off x="-30614" y="4149035"/>
+            <a:ext cx="995785" cy="646331"/>
+          </a:xfrm>
+          <a:prstGeom prst="rect">
+            <a:avLst/>
+          </a:prstGeom>
+          <a:noFill/>
+        </p:spPr>
+        <p:txBody>
+          <a:bodyPr wrap="none" rtlCol="0">
+            <a:spAutoFit/>
+          </a:bodyPr>
+          <a:lstStyle/>
+          <a:p>
+            <a:pPr algn="ctr"/>
+            <a:r>
+              <a:rPr lang="en-IE" dirty="0"/>
+              <a:t>Regular</a:t>
+            </a:r>
+          </a:p>
+          <a:p>
+            <a:pPr algn="ctr"/>
+            <a:r>
+              <a:rPr lang="en-IE" dirty="0"/>
+              <a:t>Member</a:t>
+            </a:r>
+            <a:endParaRPr lang="pl-PL" dirty="0"/>
+          </a:p>
+        </p:txBody>
+      </p:sp>
+      <p:sp>
+        <p:nvSpPr>
+          <p:cNvPr id="90" name="Oval 89">
+            <a:extLst>
+              <a:ext uri="{FF2B5EF4-FFF2-40B4-BE49-F238E27FC236}">
+                <a16:creationId xmlns:a16="http://schemas.microsoft.com/office/drawing/2014/main" id="{B6801AB4-E6F4-FA58-0400-DE137551523A}"/>
+              </a:ext>
+            </a:extLst>
+          </p:cNvPr>
+          <p:cNvSpPr/>
+          <p:nvPr/>
+        </p:nvSpPr>
+        <p:spPr>
+          <a:xfrm>
+            <a:off x="5386890" y="3575588"/>
+            <a:ext cx="1632166" cy="281848"/>
+          </a:xfrm>
+          <a:prstGeom prst="ellipse">
+            <a:avLst/>
+          </a:prstGeom>
+        </p:spPr>
+        <p:style>
+          <a:lnRef idx="2">
+            <a:schemeClr val="accent6">
+              <a:shade val="15000"/>
+            </a:schemeClr>
+          </a:lnRef>
+          <a:fillRef idx="1">
+            <a:schemeClr val="accent6"/>
+          </a:fillRef>
+          <a:effectRef idx="0">
+            <a:schemeClr val="accent6"/>
+          </a:effectRef>
+          <a:fontRef idx="minor">
+            <a:schemeClr val="lt1"/>
+          </a:fontRef>
+        </p:style>
+        <p:txBody>
+          <a:bodyPr rtlCol="0" anchor="ctr"/>
+          <a:lstStyle/>
+          <a:p>
+            <a:pPr algn="ctr"/>
+            <a:r>
+              <a:rPr lang="en-IE" sz="1200" dirty="0"/>
+              <a:t>Copy Note</a:t>
+            </a:r>
+            <a:endParaRPr lang="pl-PL" sz="1200" dirty="0"/>
+          </a:p>
+        </p:txBody>
+      </p:sp>
+      <p:cxnSp>
+        <p:nvCxnSpPr>
+          <p:cNvPr id="92" name="Straight Arrow Connector 91">
+            <a:extLst>
+              <a:ext uri="{FF2B5EF4-FFF2-40B4-BE49-F238E27FC236}">
+                <a16:creationId xmlns:a16="http://schemas.microsoft.com/office/drawing/2014/main" id="{59ACEFDB-51E5-5839-44B2-A751CADDB675}"/>
+              </a:ext>
+            </a:extLst>
+          </p:cNvPr>
+          <p:cNvCxnSpPr>
+            <a:endCxn id="90" idx="6"/>
+          </p:cNvCxnSpPr>
+          <p:nvPr/>
+        </p:nvCxnSpPr>
+        <p:spPr>
+          <a:xfrm flipH="1">
+            <a:off x="7019056" y="3716512"/>
+            <a:ext cx="532118" cy="0"/>
+          </a:xfrm>
+          <a:prstGeom prst="straightConnector1">
+            <a:avLst/>
+          </a:prstGeom>
+          <a:ln>
+            <a:tailEnd type="triangle"/>
+          </a:ln>
+        </p:spPr>
+        <p:style>
+          <a:lnRef idx="1">
+            <a:schemeClr val="accent6"/>
+          </a:lnRef>
+          <a:fillRef idx="0">
+            <a:schemeClr val="accent6"/>
+          </a:fillRef>
+          <a:effectRef idx="0">
+            <a:schemeClr val="accent6"/>
+          </a:effectRef>
+          <a:fontRef idx="minor">
+            <a:schemeClr val="tx1"/>
+          </a:fontRef>
+        </p:style>
+      </p:cxnSp>
+      <p:sp>
+        <p:nvSpPr>
+          <p:cNvPr id="94" name="TextBox 93">
+            <a:extLst>
+              <a:ext uri="{FF2B5EF4-FFF2-40B4-BE49-F238E27FC236}">
+                <a16:creationId xmlns:a16="http://schemas.microsoft.com/office/drawing/2014/main" id="{C1A10339-1472-569C-99D7-7645AAAAE857}"/>
+              </a:ext>
+            </a:extLst>
+          </p:cNvPr>
+          <p:cNvSpPr txBox="1"/>
+          <p:nvPr/>
+        </p:nvSpPr>
+        <p:spPr>
+          <a:xfrm>
+            <a:off x="7635142" y="3997990"/>
+            <a:ext cx="1433405" cy="830997"/>
+          </a:xfrm>
+          <a:prstGeom prst="rect">
+            <a:avLst/>
+          </a:prstGeom>
+          <a:noFill/>
+        </p:spPr>
+        <p:txBody>
+          <a:bodyPr wrap="none" rtlCol="0">
+            <a:spAutoFit/>
+          </a:bodyPr>
+          <a:lstStyle/>
+          <a:p>
+            <a:pPr algn="ctr"/>
+            <a:r>
+              <a:rPr lang="en-IE" sz="1600" dirty="0"/>
+              <a:t>&lt;&lt;service&gt;&gt;</a:t>
+            </a:r>
+            <a:br>
+              <a:rPr lang="en-IE" sz="1600" dirty="0"/>
+            </a:br>
+            <a:r>
+              <a:rPr lang="en-IE" sz="1600" dirty="0"/>
+              <a:t>Firebase Cloud</a:t>
+            </a:r>
+          </a:p>
+          <a:p>
+            <a:pPr algn="ctr"/>
+            <a:r>
+              <a:rPr lang="en-IE" sz="1600" dirty="0"/>
+              <a:t>Messaging</a:t>
+            </a:r>
+            <a:endParaRPr lang="pl-PL" sz="1600" dirty="0"/>
+          </a:p>
+        </p:txBody>
+      </p:sp>
+      <p:sp>
+        <p:nvSpPr>
+          <p:cNvPr id="100" name="Freeform: Shape 99">
+            <a:extLst>
+              <a:ext uri="{FF2B5EF4-FFF2-40B4-BE49-F238E27FC236}">
+                <a16:creationId xmlns:a16="http://schemas.microsoft.com/office/drawing/2014/main" id="{85A22C16-E044-FE5A-CC6E-53DB3310BDCE}"/>
+              </a:ext>
+            </a:extLst>
+          </p:cNvPr>
+          <p:cNvSpPr/>
+          <p:nvPr/>
+        </p:nvSpPr>
+        <p:spPr>
+          <a:xfrm>
+            <a:off x="4834393" y="3745064"/>
+            <a:ext cx="3530379" cy="1876508"/>
+          </a:xfrm>
+          <a:custGeom>
+            <a:avLst/>
+            <a:gdLst>
+              <a:gd name="connsiteX0" fmla="*/ 0 w 3530379"/>
+              <a:gd name="connsiteY0" fmla="*/ 0 h 1876508"/>
+              <a:gd name="connsiteX1" fmla="*/ 238539 w 3530379"/>
+              <a:gd name="connsiteY1" fmla="*/ 15903 h 1876508"/>
+              <a:gd name="connsiteX2" fmla="*/ 365760 w 3530379"/>
+              <a:gd name="connsiteY2" fmla="*/ 1876508 h 1876508"/>
+              <a:gd name="connsiteX3" fmla="*/ 3530379 w 3530379"/>
+              <a:gd name="connsiteY3" fmla="*/ 1852654 h 1876508"/>
+            </a:gdLst>
+            <a:ahLst/>
+            <a:cxnLst>
+              <a:cxn ang="0">
+                <a:pos x="connsiteX0" y="connsiteY0"/>
+              </a:cxn>
+              <a:cxn ang="0">
+                <a:pos x="connsiteX1" y="connsiteY1"/>
+              </a:cxn>
+              <a:cxn ang="0">
+                <a:pos x="connsiteX2" y="connsiteY2"/>
+              </a:cxn>
+              <a:cxn ang="0">
+                <a:pos x="connsiteX3" y="connsiteY3"/>
+              </a:cxn>
+            </a:cxnLst>
+            <a:rect l="l" t="t" r="r" b="b"/>
+            <a:pathLst>
+              <a:path w="3530379" h="1876508">
+                <a:moveTo>
+                  <a:pt x="0" y="0"/>
+                </a:moveTo>
+                <a:lnTo>
+                  <a:pt x="238539" y="15903"/>
+                </a:lnTo>
+                <a:lnTo>
+                  <a:pt x="365760" y="1876508"/>
+                </a:lnTo>
+                <a:lnTo>
+                  <a:pt x="3530379" y="1852654"/>
+                </a:lnTo>
+              </a:path>
+            </a:pathLst>
+          </a:custGeom>
+        </p:spPr>
+        <p:style>
+          <a:lnRef idx="1">
+            <a:schemeClr val="accent3"/>
+          </a:lnRef>
+          <a:fillRef idx="0">
+            <a:schemeClr val="accent3"/>
+          </a:fillRef>
+          <a:effectRef idx="0">
+            <a:schemeClr val="accent3"/>
+          </a:effectRef>
+          <a:fontRef idx="minor">
+            <a:schemeClr val="tx1"/>
+          </a:fontRef>
+        </p:style>
+        <p:txBody>
+          <a:bodyPr rtlCol="0" anchor="ctr"/>
+          <a:lstStyle/>
+          <a:p>
+            <a:pPr algn="ctr"/>
+            <a:endParaRPr lang="pl-PL"/>
+          </a:p>
+        </p:txBody>
+      </p:sp>
+      <p:cxnSp>
+        <p:nvCxnSpPr>
+          <p:cNvPr id="104" name="Straight Arrow Connector 103">
+            <a:extLst>
+              <a:ext uri="{FF2B5EF4-FFF2-40B4-BE49-F238E27FC236}">
+                <a16:creationId xmlns:a16="http://schemas.microsoft.com/office/drawing/2014/main" id="{55D99649-194F-A049-97D3-B153CE113634}"/>
+              </a:ext>
+            </a:extLst>
+          </p:cNvPr>
+          <p:cNvCxnSpPr>
+            <a:stCxn id="100" idx="3"/>
+            <a:endCxn id="94" idx="2"/>
+          </p:cNvCxnSpPr>
+          <p:nvPr/>
+        </p:nvCxnSpPr>
+        <p:spPr>
+          <a:xfrm flipH="1" flipV="1">
+            <a:off x="8351845" y="4828987"/>
+            <a:ext cx="12927" cy="768731"/>
+          </a:xfrm>
+          <a:prstGeom prst="straightConnector1">
+            <a:avLst/>
+          </a:prstGeom>
+          <a:ln>
+            <a:tailEnd type="triangle"/>
+          </a:ln>
+        </p:spPr>
+        <p:style>
+          <a:lnRef idx="1">
+            <a:schemeClr val="accent3"/>
+          </a:lnRef>
+          <a:fillRef idx="0">
+            <a:schemeClr val="accent3"/>
+          </a:fillRef>
+          <a:effectRef idx="0">
+            <a:schemeClr val="accent3"/>
+          </a:effectRef>
+          <a:fontRef idx="minor">
+            <a:schemeClr val="tx1"/>
+          </a:fontRef>
+        </p:style>
+      </p:cxnSp>
+      <p:sp>
+        <p:nvSpPr>
+          <p:cNvPr id="105" name="Freeform: Shape 104">
+            <a:extLst>
+              <a:ext uri="{FF2B5EF4-FFF2-40B4-BE49-F238E27FC236}">
+                <a16:creationId xmlns:a16="http://schemas.microsoft.com/office/drawing/2014/main" id="{3E64BB13-0B04-891E-C9D9-BEA3BFD75A6C}"/>
+              </a:ext>
+            </a:extLst>
+          </p:cNvPr>
+          <p:cNvSpPr/>
+          <p:nvPr/>
+        </p:nvSpPr>
+        <p:spPr>
+          <a:xfrm>
+            <a:off x="4858247" y="3283889"/>
+            <a:ext cx="222636" cy="477078"/>
+          </a:xfrm>
+          <a:custGeom>
+            <a:avLst/>
+            <a:gdLst>
+              <a:gd name="connsiteX0" fmla="*/ 222636 w 222636"/>
+              <a:gd name="connsiteY0" fmla="*/ 477078 h 477078"/>
+              <a:gd name="connsiteX1" fmla="*/ 190831 w 222636"/>
+              <a:gd name="connsiteY1" fmla="*/ 39756 h 477078"/>
+              <a:gd name="connsiteX2" fmla="*/ 0 w 222636"/>
+              <a:gd name="connsiteY2" fmla="*/ 0 h 477078"/>
+            </a:gdLst>
+            <a:ahLst/>
+            <a:cxnLst>
+              <a:cxn ang="0">
+                <a:pos x="connsiteX0" y="connsiteY0"/>
+              </a:cxn>
+              <a:cxn ang="0">
+                <a:pos x="connsiteX1" y="connsiteY1"/>
+              </a:cxn>
+              <a:cxn ang="0">
+                <a:pos x="connsiteX2" y="connsiteY2"/>
+              </a:cxn>
+            </a:cxnLst>
+            <a:rect l="l" t="t" r="r" b="b"/>
+            <a:pathLst>
+              <a:path w="222636" h="477078">
+                <a:moveTo>
+                  <a:pt x="222636" y="477078"/>
+                </a:moveTo>
+                <a:lnTo>
+                  <a:pt x="190831" y="39756"/>
+                </a:lnTo>
+                <a:lnTo>
+                  <a:pt x="0" y="0"/>
+                </a:lnTo>
+              </a:path>
+            </a:pathLst>
+          </a:custGeom>
+        </p:spPr>
+        <p:style>
+          <a:lnRef idx="1">
+            <a:schemeClr val="accent3"/>
+          </a:lnRef>
+          <a:fillRef idx="0">
+            <a:schemeClr val="accent3"/>
+          </a:fillRef>
+          <a:effectRef idx="0">
+            <a:schemeClr val="accent3"/>
+          </a:effectRef>
+          <a:fontRef idx="minor">
+            <a:schemeClr val="tx1"/>
+          </a:fontRef>
+        </p:style>
+        <p:txBody>
+          <a:bodyPr rtlCol="0" anchor="ctr"/>
+          <a:lstStyle/>
+          <a:p>
+            <a:pPr algn="ctr"/>
+            <a:endParaRPr lang="pl-PL"/>
+          </a:p>
+        </p:txBody>
+      </p:sp>
     </p:spTree>
     <p:extLst>
       <p:ext uri="{BB962C8B-B14F-4D97-AF65-F5344CB8AC3E}">
@@ -10318,7 +10894,7 @@
         </p:nvSpPr>
         <p:spPr>
           <a:xfrm>
-            <a:off x="6234263" y="1409299"/>
+            <a:off x="6234262" y="1665546"/>
             <a:ext cx="1582993" cy="737420"/>
           </a:xfrm>
           <a:prstGeom prst="rect">
@@ -10375,7 +10951,7 @@
         </p:nvSpPr>
         <p:spPr>
           <a:xfrm>
-            <a:off x="6234262" y="4787275"/>
+            <a:off x="6234262" y="4670500"/>
             <a:ext cx="1582993" cy="737420"/>
           </a:xfrm>
           <a:prstGeom prst="rect">
@@ -10405,7 +10981,14 @@
             <a:pPr algn="ctr"/>
             <a:r>
               <a:rPr lang="en-IE" dirty="0"/>
-              <a:t>Firebase</a:t>
+              <a:t>Firebase Cloud</a:t>
+            </a:r>
+            <a:br>
+              <a:rPr lang="en-IE" dirty="0"/>
+            </a:br>
+            <a:r>
+              <a:rPr lang="en-IE" dirty="0"/>
+              <a:t>Messaging</a:t>
             </a:r>
             <a:endParaRPr lang="pl-PL" dirty="0"/>
           </a:p>
@@ -10425,7 +11008,7 @@
         </p:nvSpPr>
         <p:spPr>
           <a:xfrm>
-            <a:off x="6234262" y="3094637"/>
+            <a:off x="6234262" y="2670072"/>
             <a:ext cx="1582993" cy="737420"/>
           </a:xfrm>
           <a:prstGeom prst="rect">
@@ -10482,7 +11065,7 @@
         </p:nvSpPr>
         <p:spPr>
           <a:xfrm>
-            <a:off x="6234262" y="3940956"/>
+            <a:off x="6234262" y="3670286"/>
             <a:ext cx="1582993" cy="737420"/>
           </a:xfrm>
           <a:prstGeom prst="rect">
@@ -10520,10 +11103,10 @@
       </p:sp>
       <p:sp>
         <p:nvSpPr>
-          <p:cNvPr id="23" name="Rectangle 22">
-            <a:extLst>
-              <a:ext uri="{FF2B5EF4-FFF2-40B4-BE49-F238E27FC236}">
-                <a16:creationId xmlns:a16="http://schemas.microsoft.com/office/drawing/2014/main" id="{2C0D9B5E-CAB2-793D-BB4C-C7A04655804B}"/>
+          <p:cNvPr id="24" name="Rectangle 23">
+            <a:extLst>
+              <a:ext uri="{FF2B5EF4-FFF2-40B4-BE49-F238E27FC236}">
+                <a16:creationId xmlns:a16="http://schemas.microsoft.com/office/drawing/2014/main" id="{B038611A-25D8-7494-C032-65B4159DFA89}"/>
               </a:ext>
             </a:extLst>
           </p:cNvPr>
@@ -10532,7 +11115,7 @@
         </p:nvSpPr>
         <p:spPr>
           <a:xfrm>
-            <a:off x="6234262" y="2253241"/>
+            <a:off x="3441289" y="2670072"/>
             <a:ext cx="1582993" cy="737420"/>
           </a:xfrm>
           <a:prstGeom prst="rect">
@@ -10562,7 +11145,7 @@
             <a:pPr algn="ctr"/>
             <a:r>
               <a:rPr lang="en-IE" dirty="0"/>
-              <a:t>Vector Database (Optional)</a:t>
+              <a:t>Notes</a:t>
             </a:r>
             <a:endParaRPr lang="pl-PL" dirty="0"/>
           </a:p>
@@ -10570,10 +11153,10 @@
       </p:sp>
       <p:sp>
         <p:nvSpPr>
-          <p:cNvPr id="24" name="Rectangle 23">
-            <a:extLst>
-              <a:ext uri="{FF2B5EF4-FFF2-40B4-BE49-F238E27FC236}">
-                <a16:creationId xmlns:a16="http://schemas.microsoft.com/office/drawing/2014/main" id="{B038611A-25D8-7494-C032-65B4159DFA89}"/>
+          <p:cNvPr id="25" name="Rectangle 24">
+            <a:extLst>
+              <a:ext uri="{FF2B5EF4-FFF2-40B4-BE49-F238E27FC236}">
+                <a16:creationId xmlns:a16="http://schemas.microsoft.com/office/drawing/2014/main" id="{DDCFF8A7-7821-2989-C2FB-171C6B3AA149}"/>
               </a:ext>
             </a:extLst>
           </p:cNvPr>
@@ -10582,7 +11165,7 @@
         </p:nvSpPr>
         <p:spPr>
           <a:xfrm>
-            <a:off x="3441289" y="2670072"/>
+            <a:off x="3441288" y="3670286"/>
             <a:ext cx="1582993" cy="737420"/>
           </a:xfrm>
           <a:prstGeom prst="rect">
@@ -10612,7 +11195,7 @@
             <a:pPr algn="ctr"/>
             <a:r>
               <a:rPr lang="en-IE" dirty="0"/>
-              <a:t>Notes</a:t>
+              <a:t>Messages</a:t>
             </a:r>
             <a:endParaRPr lang="pl-PL" dirty="0"/>
           </a:p>
@@ -10620,10 +11203,10 @@
       </p:sp>
       <p:sp>
         <p:nvSpPr>
-          <p:cNvPr id="25" name="Rectangle 24">
-            <a:extLst>
-              <a:ext uri="{FF2B5EF4-FFF2-40B4-BE49-F238E27FC236}">
-                <a16:creationId xmlns:a16="http://schemas.microsoft.com/office/drawing/2014/main" id="{DDCFF8A7-7821-2989-C2FB-171C6B3AA149}"/>
+          <p:cNvPr id="26" name="Rectangle 25">
+            <a:extLst>
+              <a:ext uri="{FF2B5EF4-FFF2-40B4-BE49-F238E27FC236}">
+                <a16:creationId xmlns:a16="http://schemas.microsoft.com/office/drawing/2014/main" id="{A3ED75E3-F6DD-D326-A379-922CC7F18D71}"/>
               </a:ext>
             </a:extLst>
           </p:cNvPr>
@@ -10632,7 +11215,7 @@
         </p:nvSpPr>
         <p:spPr>
           <a:xfrm>
-            <a:off x="3441288" y="3670286"/>
+            <a:off x="3441288" y="4674812"/>
             <a:ext cx="1582993" cy="737420"/>
           </a:xfrm>
           <a:prstGeom prst="rect">
@@ -10662,56 +11245,6 @@
             <a:pPr algn="ctr"/>
             <a:r>
               <a:rPr lang="en-IE" dirty="0"/>
-              <a:t>Templates</a:t>
-            </a:r>
-            <a:endParaRPr lang="pl-PL" dirty="0"/>
-          </a:p>
-        </p:txBody>
-      </p:sp>
-      <p:sp>
-        <p:nvSpPr>
-          <p:cNvPr id="26" name="Rectangle 25">
-            <a:extLst>
-              <a:ext uri="{FF2B5EF4-FFF2-40B4-BE49-F238E27FC236}">
-                <a16:creationId xmlns:a16="http://schemas.microsoft.com/office/drawing/2014/main" id="{A3ED75E3-F6DD-D326-A379-922CC7F18D71}"/>
-              </a:ext>
-            </a:extLst>
-          </p:cNvPr>
-          <p:cNvSpPr/>
-          <p:nvPr/>
-        </p:nvSpPr>
-        <p:spPr>
-          <a:xfrm>
-            <a:off x="3441288" y="4674812"/>
-            <a:ext cx="1582993" cy="737420"/>
-          </a:xfrm>
-          <a:prstGeom prst="rect">
-            <a:avLst/>
-          </a:prstGeom>
-        </p:spPr>
-        <p:style>
-          <a:lnRef idx="2">
-            <a:schemeClr val="accent1">
-              <a:shade val="15000"/>
-            </a:schemeClr>
-          </a:lnRef>
-          <a:fillRef idx="1">
-            <a:schemeClr val="accent1"/>
-          </a:fillRef>
-          <a:effectRef idx="0">
-            <a:schemeClr val="accent1"/>
-          </a:effectRef>
-          <a:fontRef idx="minor">
-            <a:schemeClr val="lt1"/>
-          </a:fontRef>
-        </p:style>
-        <p:txBody>
-          <a:bodyPr rtlCol="0" anchor="ctr"/>
-          <a:lstStyle/>
-          <a:p>
-            <a:pPr algn="ctr"/>
-            <a:r>
-              <a:rPr lang="en-IE" dirty="0"/>
               <a:t>Workspaces</a:t>
             </a:r>
             <a:endParaRPr lang="pl-PL" dirty="0"/>
@@ -10902,9 +11435,9 @@
           <p:nvPr/>
         </p:nvCxnSpPr>
         <p:spPr>
-          <a:xfrm flipV="1">
-            <a:off x="5024283" y="1778009"/>
-            <a:ext cx="1209980" cy="256247"/>
+          <a:xfrm>
+            <a:off x="5024283" y="2034256"/>
+            <a:ext cx="1209979" cy="0"/>
           </a:xfrm>
           <a:prstGeom prst="straightConnector1">
             <a:avLst/>
@@ -10945,51 +11478,9 @@
           <p:nvPr/>
         </p:nvCxnSpPr>
         <p:spPr>
-          <a:xfrm>
-            <a:off x="5024281" y="5043522"/>
-            <a:ext cx="1209981" cy="112463"/>
-          </a:xfrm>
-          <a:prstGeom prst="straightConnector1">
-            <a:avLst/>
-          </a:prstGeom>
-          <a:ln>
-            <a:tailEnd type="triangle"/>
-          </a:ln>
-        </p:spPr>
-        <p:style>
-          <a:lnRef idx="1">
-            <a:schemeClr val="accent6"/>
-          </a:lnRef>
-          <a:fillRef idx="0">
-            <a:schemeClr val="accent6"/>
-          </a:fillRef>
-          <a:effectRef idx="0">
-            <a:schemeClr val="accent6"/>
-          </a:effectRef>
-          <a:fontRef idx="minor">
-            <a:schemeClr val="tx1"/>
-          </a:fontRef>
-        </p:style>
-      </p:cxnSp>
-      <p:cxnSp>
-        <p:nvCxnSpPr>
-          <p:cNvPr id="45" name="Straight Arrow Connector 44">
-            <a:extLst>
-              <a:ext uri="{FF2B5EF4-FFF2-40B4-BE49-F238E27FC236}">
-                <a16:creationId xmlns:a16="http://schemas.microsoft.com/office/drawing/2014/main" id="{F2F0443A-A853-30CE-9B55-10E8775B53F0}"/>
-              </a:ext>
-            </a:extLst>
-          </p:cNvPr>
-          <p:cNvCxnSpPr>
-            <a:stCxn id="24" idx="3"/>
-            <a:endCxn id="23" idx="1"/>
-          </p:cNvCxnSpPr>
-          <p:nvPr/>
-        </p:nvCxnSpPr>
-        <p:spPr>
           <a:xfrm flipV="1">
-            <a:off x="5024282" y="2621951"/>
-            <a:ext cx="1209980" cy="416831"/>
+            <a:off x="5024281" y="5039210"/>
+            <a:ext cx="1209981" cy="4312"/>
           </a:xfrm>
           <a:prstGeom prst="straightConnector1">
             <a:avLst/>
@@ -11031,7 +11522,7 @@
         <p:spPr>
           <a:xfrm>
             <a:off x="5024282" y="3038782"/>
-            <a:ext cx="1209980" cy="1270884"/>
+            <a:ext cx="1209980" cy="1000214"/>
           </a:xfrm>
           <a:prstGeom prst="straightConnector1">
             <a:avLst/>
@@ -11073,7 +11564,7 @@
         <p:spPr>
           <a:xfrm>
             <a:off x="5024282" y="3038782"/>
-            <a:ext cx="1209980" cy="424565"/>
+            <a:ext cx="1209980" cy="0"/>
           </a:xfrm>
           <a:prstGeom prst="straightConnector1">
             <a:avLst/>
@@ -11115,7 +11606,7 @@
         <p:spPr>
           <a:xfrm>
             <a:off x="5024281" y="4038996"/>
-            <a:ext cx="1209981" cy="270670"/>
+            <a:ext cx="1209981" cy="0"/>
           </a:xfrm>
           <a:prstGeom prst="straightConnector1">
             <a:avLst/>
@@ -11156,7 +11647,7 @@
         </p:nvCxnSpPr>
         <p:spPr>
           <a:xfrm flipH="1">
-            <a:off x="7817255" y="4309666"/>
+            <a:off x="7817255" y="4038996"/>
             <a:ext cx="274693" cy="0"/>
           </a:xfrm>
           <a:prstGeom prst="straightConnector1">
@@ -11198,8 +11689,8 @@
         </p:nvCxnSpPr>
         <p:spPr>
           <a:xfrm flipV="1">
-            <a:off x="5024281" y="4309666"/>
-            <a:ext cx="1209981" cy="733856"/>
+            <a:off x="5024281" y="4038996"/>
+            <a:ext cx="1209981" cy="1004526"/>
           </a:xfrm>
           <a:prstGeom prst="straightConnector1">
             <a:avLst/>
@@ -11298,94 +11789,6 @@
               <a:t>Back-end</a:t>
             </a:r>
             <a:endParaRPr lang="pl-PL" b="1" dirty="0"/>
-          </a:p>
-        </p:txBody>
-      </p:sp>
-      <p:sp>
-        <p:nvSpPr>
-          <p:cNvPr id="103" name="Freeform: Shape 102">
-            <a:extLst>
-              <a:ext uri="{FF2B5EF4-FFF2-40B4-BE49-F238E27FC236}">
-                <a16:creationId xmlns:a16="http://schemas.microsoft.com/office/drawing/2014/main" id="{4C974388-965C-6987-B624-0B271764F816}"/>
-              </a:ext>
-            </a:extLst>
-          </p:cNvPr>
-          <p:cNvSpPr/>
-          <p:nvPr/>
-        </p:nvSpPr>
-        <p:spPr>
-          <a:xfrm>
-            <a:off x="5004619" y="1297858"/>
-            <a:ext cx="3106994" cy="3018503"/>
-          </a:xfrm>
-          <a:custGeom>
-            <a:avLst/>
-            <a:gdLst>
-              <a:gd name="connsiteX0" fmla="*/ 0 w 3106994"/>
-              <a:gd name="connsiteY0" fmla="*/ 511277 h 3018503"/>
-              <a:gd name="connsiteX1" fmla="*/ 1219200 w 3106994"/>
-              <a:gd name="connsiteY1" fmla="*/ 0 h 3018503"/>
-              <a:gd name="connsiteX2" fmla="*/ 3097162 w 3106994"/>
-              <a:gd name="connsiteY2" fmla="*/ 9832 h 3018503"/>
-              <a:gd name="connsiteX3" fmla="*/ 3106994 w 3106994"/>
-              <a:gd name="connsiteY3" fmla="*/ 3018503 h 3018503"/>
-            </a:gdLst>
-            <a:ahLst/>
-            <a:cxnLst>
-              <a:cxn ang="0">
-                <a:pos x="connsiteX0" y="connsiteY0"/>
-              </a:cxn>
-              <a:cxn ang="0">
-                <a:pos x="connsiteX1" y="connsiteY1"/>
-              </a:cxn>
-              <a:cxn ang="0">
-                <a:pos x="connsiteX2" y="connsiteY2"/>
-              </a:cxn>
-              <a:cxn ang="0">
-                <a:pos x="connsiteX3" y="connsiteY3"/>
-              </a:cxn>
-            </a:cxnLst>
-            <a:rect l="l" t="t" r="r" b="b"/>
-            <a:pathLst>
-              <a:path w="3106994" h="3018503">
-                <a:moveTo>
-                  <a:pt x="0" y="511277"/>
-                </a:moveTo>
-                <a:lnTo>
-                  <a:pt x="1219200" y="0"/>
-                </a:lnTo>
-                <a:lnTo>
-                  <a:pt x="3097162" y="9832"/>
-                </a:lnTo>
-                <a:cubicBezTo>
-                  <a:pt x="3100439" y="1012722"/>
-                  <a:pt x="3103717" y="2015613"/>
-                  <a:pt x="3106994" y="3018503"/>
-                </a:cubicBezTo>
-              </a:path>
-            </a:pathLst>
-          </a:custGeom>
-        </p:spPr>
-        <p:style>
-          <a:lnRef idx="1">
-            <a:schemeClr val="accent6"/>
-          </a:lnRef>
-          <a:fillRef idx="0">
-            <a:schemeClr val="accent6"/>
-          </a:fillRef>
-          <a:effectRef idx="0">
-            <a:schemeClr val="accent6"/>
-          </a:effectRef>
-          <a:fontRef idx="minor">
-            <a:schemeClr val="tx1"/>
-          </a:fontRef>
-        </p:style>
-        <p:txBody>
-          <a:bodyPr rtlCol="0" anchor="ctr"/>
-          <a:lstStyle/>
-          <a:p>
-            <a:pPr algn="ctr"/>
-            <a:endParaRPr lang="pl-PL"/>
           </a:p>
         </p:txBody>
       </p:sp>
@@ -11547,6 +11950,225 @@
           </a:fillRef>
           <a:effectRef idx="0">
             <a:schemeClr val="accent3"/>
+          </a:effectRef>
+          <a:fontRef idx="minor">
+            <a:schemeClr val="tx1"/>
+          </a:fontRef>
+        </p:style>
+      </p:cxnSp>
+      <p:cxnSp>
+        <p:nvCxnSpPr>
+          <p:cNvPr id="12" name="Straight Arrow Connector 11">
+            <a:extLst>
+              <a:ext uri="{FF2B5EF4-FFF2-40B4-BE49-F238E27FC236}">
+                <a16:creationId xmlns:a16="http://schemas.microsoft.com/office/drawing/2014/main" id="{3191BD5D-F922-7A26-C999-8DE1DDE8A05D}"/>
+              </a:ext>
+            </a:extLst>
+          </p:cNvPr>
+          <p:cNvCxnSpPr>
+            <a:stCxn id="25" idx="3"/>
+            <a:endCxn id="20" idx="1"/>
+          </p:cNvCxnSpPr>
+          <p:nvPr/>
+        </p:nvCxnSpPr>
+        <p:spPr>
+          <a:xfrm>
+            <a:off x="5024281" y="4038996"/>
+            <a:ext cx="1209981" cy="1000214"/>
+          </a:xfrm>
+          <a:prstGeom prst="straightConnector1">
+            <a:avLst/>
+          </a:prstGeom>
+          <a:ln>
+            <a:tailEnd type="triangle"/>
+          </a:ln>
+        </p:spPr>
+        <p:style>
+          <a:lnRef idx="1">
+            <a:schemeClr val="accent6"/>
+          </a:lnRef>
+          <a:fillRef idx="0">
+            <a:schemeClr val="accent6"/>
+          </a:fillRef>
+          <a:effectRef idx="0">
+            <a:schemeClr val="accent6"/>
+          </a:effectRef>
+          <a:fontRef idx="minor">
+            <a:schemeClr val="tx1"/>
+          </a:fontRef>
+        </p:style>
+      </p:cxnSp>
+      <p:sp>
+        <p:nvSpPr>
+          <p:cNvPr id="44" name="Freeform: Shape 43">
+            <a:extLst>
+              <a:ext uri="{FF2B5EF4-FFF2-40B4-BE49-F238E27FC236}">
+                <a16:creationId xmlns:a16="http://schemas.microsoft.com/office/drawing/2014/main" id="{71733BB2-E8FF-FB29-313B-5F643BCC2836}"/>
+              </a:ext>
+            </a:extLst>
+          </p:cNvPr>
+          <p:cNvSpPr/>
+          <p:nvPr/>
+        </p:nvSpPr>
+        <p:spPr>
+          <a:xfrm>
+            <a:off x="5025224" y="1256306"/>
+            <a:ext cx="3061253" cy="2782957"/>
+          </a:xfrm>
+          <a:custGeom>
+            <a:avLst/>
+            <a:gdLst>
+              <a:gd name="connsiteX0" fmla="*/ 0 w 3061253"/>
+              <a:gd name="connsiteY0" fmla="*/ 453224 h 2782957"/>
+              <a:gd name="connsiteX1" fmla="*/ 3005593 w 3061253"/>
+              <a:gd name="connsiteY1" fmla="*/ 0 h 2782957"/>
+              <a:gd name="connsiteX2" fmla="*/ 3061253 w 3061253"/>
+              <a:gd name="connsiteY2" fmla="*/ 2782957 h 2782957"/>
+            </a:gdLst>
+            <a:ahLst/>
+            <a:cxnLst>
+              <a:cxn ang="0">
+                <a:pos x="connsiteX0" y="connsiteY0"/>
+              </a:cxn>
+              <a:cxn ang="0">
+                <a:pos x="connsiteX1" y="connsiteY1"/>
+              </a:cxn>
+              <a:cxn ang="0">
+                <a:pos x="connsiteX2" y="connsiteY2"/>
+              </a:cxn>
+            </a:cxnLst>
+            <a:rect l="l" t="t" r="r" b="b"/>
+            <a:pathLst>
+              <a:path w="3061253" h="2782957">
+                <a:moveTo>
+                  <a:pt x="0" y="453224"/>
+                </a:moveTo>
+                <a:lnTo>
+                  <a:pt x="3005593" y="0"/>
+                </a:lnTo>
+                <a:lnTo>
+                  <a:pt x="3061253" y="2782957"/>
+                </a:lnTo>
+              </a:path>
+            </a:pathLst>
+          </a:custGeom>
+        </p:spPr>
+        <p:style>
+          <a:lnRef idx="1">
+            <a:schemeClr val="accent6"/>
+          </a:lnRef>
+          <a:fillRef idx="0">
+            <a:schemeClr val="accent6"/>
+          </a:fillRef>
+          <a:effectRef idx="0">
+            <a:schemeClr val="accent6"/>
+          </a:effectRef>
+          <a:fontRef idx="minor">
+            <a:schemeClr val="tx1"/>
+          </a:fontRef>
+        </p:style>
+        <p:txBody>
+          <a:bodyPr rtlCol="0" anchor="ctr"/>
+          <a:lstStyle/>
+          <a:p>
+            <a:pPr algn="ctr"/>
+            <a:endParaRPr lang="pl-PL"/>
+          </a:p>
+        </p:txBody>
+      </p:sp>
+      <p:sp>
+        <p:nvSpPr>
+          <p:cNvPr id="46" name="Rectangle 45">
+            <a:extLst>
+              <a:ext uri="{FF2B5EF4-FFF2-40B4-BE49-F238E27FC236}">
+                <a16:creationId xmlns:a16="http://schemas.microsoft.com/office/drawing/2014/main" id="{34A882C4-F61D-623C-1E05-EDE7B4263BFC}"/>
+              </a:ext>
+            </a:extLst>
+          </p:cNvPr>
+          <p:cNvSpPr/>
+          <p:nvPr/>
+        </p:nvSpPr>
+        <p:spPr>
+          <a:xfrm>
+            <a:off x="581961" y="4418565"/>
+            <a:ext cx="1582993" cy="737420"/>
+          </a:xfrm>
+          <a:prstGeom prst="rect">
+            <a:avLst/>
+          </a:prstGeom>
+        </p:spPr>
+        <p:style>
+          <a:lnRef idx="2">
+            <a:schemeClr val="accent1">
+              <a:shade val="15000"/>
+            </a:schemeClr>
+          </a:lnRef>
+          <a:fillRef idx="1">
+            <a:schemeClr val="accent1"/>
+          </a:fillRef>
+          <a:effectRef idx="0">
+            <a:schemeClr val="accent1"/>
+          </a:effectRef>
+          <a:fontRef idx="minor">
+            <a:schemeClr val="lt1"/>
+          </a:fontRef>
+        </p:style>
+        <p:txBody>
+          <a:bodyPr rtlCol="0" anchor="ctr"/>
+          <a:lstStyle/>
+          <a:p>
+            <a:pPr algn="ctr"/>
+            <a:r>
+              <a:rPr lang="en-IE" dirty="0"/>
+              <a:t>Firebase Cloud</a:t>
+            </a:r>
+            <a:br>
+              <a:rPr lang="en-IE" dirty="0"/>
+            </a:br>
+            <a:r>
+              <a:rPr lang="en-IE" dirty="0"/>
+              <a:t>Messaging</a:t>
+            </a:r>
+            <a:endParaRPr lang="pl-PL" dirty="0"/>
+          </a:p>
+        </p:txBody>
+      </p:sp>
+      <p:cxnSp>
+        <p:nvCxnSpPr>
+          <p:cNvPr id="50" name="Straight Arrow Connector 49">
+            <a:extLst>
+              <a:ext uri="{FF2B5EF4-FFF2-40B4-BE49-F238E27FC236}">
+                <a16:creationId xmlns:a16="http://schemas.microsoft.com/office/drawing/2014/main" id="{9E8E105F-9E11-E4D7-2A0D-CCDB9A608CF6}"/>
+              </a:ext>
+            </a:extLst>
+          </p:cNvPr>
+          <p:cNvCxnSpPr>
+            <a:stCxn id="4" idx="2"/>
+            <a:endCxn id="46" idx="0"/>
+          </p:cNvCxnSpPr>
+          <p:nvPr/>
+        </p:nvCxnSpPr>
+        <p:spPr>
+          <a:xfrm flipH="1">
+            <a:off x="1373458" y="3884352"/>
+            <a:ext cx="7975" cy="534213"/>
+          </a:xfrm>
+          <a:prstGeom prst="straightConnector1">
+            <a:avLst/>
+          </a:prstGeom>
+          <a:ln>
+            <a:tailEnd type="triangle"/>
+          </a:ln>
+        </p:spPr>
+        <p:style>
+          <a:lnRef idx="1">
+            <a:schemeClr val="accent6"/>
+          </a:lnRef>
+          <a:fillRef idx="0">
+            <a:schemeClr val="accent6"/>
+          </a:fillRef>
+          <a:effectRef idx="0">
+            <a:schemeClr val="accent6"/>
           </a:effectRef>
           <a:fontRef idx="minor">
             <a:schemeClr val="tx1"/>

--- a/ThingSpaceTsM2.pptx
+++ b/ThingSpaceTsM2.pptx
@@ -7167,7 +7167,7 @@
         </p:nvSpPr>
         <p:spPr>
           <a:xfrm>
-            <a:off x="2125045" y="1945873"/>
+            <a:off x="2163390" y="2056925"/>
             <a:ext cx="2748116" cy="281848"/>
           </a:xfrm>
           <a:prstGeom prst="ellipse">
@@ -7273,7 +7273,7 @@
         </p:nvSpPr>
         <p:spPr>
           <a:xfrm>
-            <a:off x="2125045" y="2409398"/>
+            <a:off x="2125045" y="2600750"/>
             <a:ext cx="2748116" cy="281848"/>
           </a:xfrm>
           <a:prstGeom prst="ellipse">
@@ -7326,7 +7326,7 @@
         </p:nvSpPr>
         <p:spPr>
           <a:xfrm>
-            <a:off x="2125045" y="3162909"/>
+            <a:off x="2122591" y="3089309"/>
             <a:ext cx="2748116" cy="281848"/>
           </a:xfrm>
           <a:prstGeom prst="ellipse">
@@ -8336,14 +8336,15 @@
             </a:extLst>
           </p:cNvPr>
           <p:cNvCxnSpPr>
+            <a:cxnSpLocks/>
             <a:endCxn id="17" idx="2"/>
           </p:cNvCxnSpPr>
           <p:nvPr/>
         </p:nvCxnSpPr>
         <p:spPr>
           <a:xfrm>
-            <a:off x="1435510" y="2001453"/>
-            <a:ext cx="689535" cy="85344"/>
+            <a:off x="1405970" y="2052621"/>
+            <a:ext cx="757420" cy="145228"/>
           </a:xfrm>
           <a:prstGeom prst="straightConnector1">
             <a:avLst/>
@@ -8377,14 +8378,15 @@
             </a:extLst>
           </p:cNvPr>
           <p:cNvCxnSpPr>
+            <a:cxnSpLocks/>
             <a:endCxn id="19" idx="2"/>
           </p:cNvCxnSpPr>
           <p:nvPr/>
         </p:nvCxnSpPr>
         <p:spPr>
           <a:xfrm>
-            <a:off x="1465006" y="2001453"/>
-            <a:ext cx="660039" cy="548869"/>
+            <a:off x="1428076" y="2052621"/>
+            <a:ext cx="696969" cy="689053"/>
           </a:xfrm>
           <a:prstGeom prst="straightConnector1">
             <a:avLst/>
@@ -9534,101 +9536,7 @@
         <p:spPr>
           <a:xfrm>
             <a:off x="1261943" y="3031059"/>
-            <a:ext cx="863102" cy="272774"/>
-          </a:xfrm>
-          <a:prstGeom prst="straightConnector1">
-            <a:avLst/>
-          </a:prstGeom>
-          <a:ln>
-            <a:tailEnd type="triangle"/>
-          </a:ln>
-        </p:spPr>
-        <p:style>
-          <a:lnRef idx="1">
-            <a:schemeClr val="accent6"/>
-          </a:lnRef>
-          <a:fillRef idx="0">
-            <a:schemeClr val="accent6"/>
-          </a:fillRef>
-          <a:effectRef idx="0">
-            <a:schemeClr val="accent6"/>
-          </a:effectRef>
-          <a:fontRef idx="minor">
-            <a:schemeClr val="tx1"/>
-          </a:fontRef>
-        </p:style>
-      </p:cxnSp>
-      <p:sp>
-        <p:nvSpPr>
-          <p:cNvPr id="64" name="Oval 63">
-            <a:extLst>
-              <a:ext uri="{FF2B5EF4-FFF2-40B4-BE49-F238E27FC236}">
-                <a16:creationId xmlns:a16="http://schemas.microsoft.com/office/drawing/2014/main" id="{E03EA3CE-E456-1DEE-7D30-D42EC3A29801}"/>
-              </a:ext>
-            </a:extLst>
-          </p:cNvPr>
-          <p:cNvSpPr/>
-          <p:nvPr/>
-        </p:nvSpPr>
-        <p:spPr>
-          <a:xfrm>
-            <a:off x="2125045" y="2783896"/>
-            <a:ext cx="2748116" cy="281848"/>
-          </a:xfrm>
-          <a:prstGeom prst="ellipse">
-            <a:avLst/>
-          </a:prstGeom>
-          <a:solidFill>
-            <a:srgbClr val="C00000"/>
-          </a:solidFill>
-        </p:spPr>
-        <p:style>
-          <a:lnRef idx="2">
-            <a:schemeClr val="accent6">
-              <a:shade val="15000"/>
-            </a:schemeClr>
-          </a:lnRef>
-          <a:fillRef idx="1">
-            <a:schemeClr val="accent6"/>
-          </a:fillRef>
-          <a:effectRef idx="0">
-            <a:schemeClr val="accent6"/>
-          </a:effectRef>
-          <a:fontRef idx="minor">
-            <a:schemeClr val="lt1"/>
-          </a:fontRef>
-        </p:style>
-        <p:txBody>
-          <a:bodyPr rtlCol="0" anchor="ctr"/>
-          <a:lstStyle/>
-          <a:p>
-            <a:pPr algn="ctr"/>
-            <a:r>
-              <a:rPr lang="en-IE" sz="1400" dirty="0"/>
-              <a:t>Join Workspace</a:t>
-            </a:r>
-            <a:endParaRPr lang="pl-PL" sz="1400" dirty="0"/>
-          </a:p>
-        </p:txBody>
-      </p:sp>
-      <p:cxnSp>
-        <p:nvCxnSpPr>
-          <p:cNvPr id="71" name="Straight Arrow Connector 70">
-            <a:extLst>
-              <a:ext uri="{FF2B5EF4-FFF2-40B4-BE49-F238E27FC236}">
-                <a16:creationId xmlns:a16="http://schemas.microsoft.com/office/drawing/2014/main" id="{0EFE106C-FAD8-2DEE-F114-654B4DA042A1}"/>
-              </a:ext>
-            </a:extLst>
-          </p:cNvPr>
-          <p:cNvCxnSpPr>
-            <a:endCxn id="64" idx="2"/>
-          </p:cNvCxnSpPr>
-          <p:nvPr/>
-        </p:nvCxnSpPr>
-        <p:spPr>
-          <a:xfrm>
-            <a:off x="1435510" y="2001453"/>
-            <a:ext cx="689535" cy="923367"/>
+            <a:ext cx="860648" cy="199174"/>
           </a:xfrm>
           <a:prstGeom prst="straightConnector1">
             <a:avLst/>
@@ -10364,10 +10272,10 @@
       </p:cxnSp>
       <p:sp>
         <p:nvSpPr>
-          <p:cNvPr id="40" name="Freeform: Shape 39">
-            <a:extLst>
-              <a:ext uri="{FF2B5EF4-FFF2-40B4-BE49-F238E27FC236}">
-                <a16:creationId xmlns:a16="http://schemas.microsoft.com/office/drawing/2014/main" id="{CF798772-2744-5A25-0BF8-2BDC8A9B5A11}"/>
+          <p:cNvPr id="65" name="Freeform: Shape 64">
+            <a:extLst>
+              <a:ext uri="{FF2B5EF4-FFF2-40B4-BE49-F238E27FC236}">
+                <a16:creationId xmlns:a16="http://schemas.microsoft.com/office/drawing/2014/main" id="{6B6E3DB0-E0C0-B1E4-263B-82EDEFFD0597}"/>
               </a:ext>
             </a:extLst>
           </p:cNvPr>
@@ -10376,20 +10284,20 @@
         </p:nvSpPr>
         <p:spPr>
           <a:xfrm>
-            <a:off x="4850296" y="3753016"/>
-            <a:ext cx="3522427" cy="1892410"/>
+            <a:off x="4842344" y="3212327"/>
+            <a:ext cx="3538331" cy="2425148"/>
           </a:xfrm>
           <a:custGeom>
             <a:avLst/>
             <a:gdLst>
-              <a:gd name="connsiteX0" fmla="*/ 0 w 3522427"/>
-              <a:gd name="connsiteY0" fmla="*/ 0 h 1892410"/>
-              <a:gd name="connsiteX1" fmla="*/ 198782 w 3522427"/>
-              <a:gd name="connsiteY1" fmla="*/ 0 h 1892410"/>
-              <a:gd name="connsiteX2" fmla="*/ 310101 w 3522427"/>
-              <a:gd name="connsiteY2" fmla="*/ 1892410 h 1892410"/>
-              <a:gd name="connsiteX3" fmla="*/ 3522427 w 3522427"/>
-              <a:gd name="connsiteY3" fmla="*/ 1860605 h 1892410"/>
+              <a:gd name="connsiteX0" fmla="*/ 0 w 3538331"/>
+              <a:gd name="connsiteY0" fmla="*/ 0 h 2425148"/>
+              <a:gd name="connsiteX1" fmla="*/ 206734 w 3538331"/>
+              <a:gd name="connsiteY1" fmla="*/ 39756 h 2425148"/>
+              <a:gd name="connsiteX2" fmla="*/ 310101 w 3538331"/>
+              <a:gd name="connsiteY2" fmla="*/ 2425148 h 2425148"/>
+              <a:gd name="connsiteX3" fmla="*/ 3538331 w 3538331"/>
+              <a:gd name="connsiteY3" fmla="*/ 2369489 h 2425148"/>
             </a:gdLst>
             <a:ahLst/>
             <a:cxnLst>
@@ -10408,18 +10316,18 @@
             </a:cxnLst>
             <a:rect l="l" t="t" r="r" b="b"/>
             <a:pathLst>
-              <a:path w="3522427" h="1892410">
+              <a:path w="3538331" h="2425148">
                 <a:moveTo>
                   <a:pt x="0" y="0"/>
                 </a:moveTo>
                 <a:lnTo>
-                  <a:pt x="198782" y="0"/>
+                  <a:pt x="206734" y="39756"/>
                 </a:lnTo>
                 <a:lnTo>
-                  <a:pt x="310101" y="1892410"/>
+                  <a:pt x="310101" y="2425148"/>
                 </a:lnTo>
                 <a:lnTo>
-                  <a:pt x="3522427" y="1860605"/>
+                  <a:pt x="3538331" y="2369489"/>
                 </a:lnTo>
               </a:path>
             </a:pathLst>

--- a/ThingSpaceTsM2.pptx
+++ b/ThingSpaceTsM2.pptx
@@ -313,7 +313,7 @@
           <a:p>
             <a:fld id="{D17C0673-4D49-4E82-8C72-D8AA60F272CB}" type="datetimeFigureOut">
               <a:rPr lang="pl-PL" smtClean="0"/>
-              <a:t>26.11.2025</a:t>
+              <a:t>28.11.2025</a:t>
             </a:fld>
             <a:endParaRPr lang="pl-PL"/>
           </a:p>
@@ -594,7 +594,7 @@
           <a:p>
             <a:fld id="{D17C0673-4D49-4E82-8C72-D8AA60F272CB}" type="datetimeFigureOut">
               <a:rPr lang="pl-PL" smtClean="0"/>
-              <a:t>26.11.2025</a:t>
+              <a:t>28.11.2025</a:t>
             </a:fld>
             <a:endParaRPr lang="pl-PL"/>
           </a:p>
@@ -786,7 +786,7 @@
           <a:p>
             <a:fld id="{D17C0673-4D49-4E82-8C72-D8AA60F272CB}" type="datetimeFigureOut">
               <a:rPr lang="pl-PL" smtClean="0"/>
-              <a:t>26.11.2025</a:t>
+              <a:t>28.11.2025</a:t>
             </a:fld>
             <a:endParaRPr lang="pl-PL"/>
           </a:p>
@@ -1047,7 +1047,7 @@
           <a:p>
             <a:fld id="{D17C0673-4D49-4E82-8C72-D8AA60F272CB}" type="datetimeFigureOut">
               <a:rPr lang="pl-PL" smtClean="0"/>
-              <a:t>26.11.2025</a:t>
+              <a:t>28.11.2025</a:t>
             </a:fld>
             <a:endParaRPr lang="pl-PL"/>
           </a:p>
@@ -1473,7 +1473,7 @@
           <a:p>
             <a:fld id="{D17C0673-4D49-4E82-8C72-D8AA60F272CB}" type="datetimeFigureOut">
               <a:rPr lang="pl-PL" smtClean="0"/>
-              <a:t>26.11.2025</a:t>
+              <a:t>28.11.2025</a:t>
             </a:fld>
             <a:endParaRPr lang="pl-PL"/>
           </a:p>
@@ -2019,7 +2019,7 @@
           <a:p>
             <a:fld id="{D17C0673-4D49-4E82-8C72-D8AA60F272CB}" type="datetimeFigureOut">
               <a:rPr lang="pl-PL" smtClean="0"/>
-              <a:t>26.11.2025</a:t>
+              <a:t>28.11.2025</a:t>
             </a:fld>
             <a:endParaRPr lang="pl-PL"/>
           </a:p>
@@ -2850,7 +2850,7 @@
           <a:p>
             <a:fld id="{D17C0673-4D49-4E82-8C72-D8AA60F272CB}" type="datetimeFigureOut">
               <a:rPr lang="pl-PL" smtClean="0"/>
-              <a:t>26.11.2025</a:t>
+              <a:t>28.11.2025</a:t>
             </a:fld>
             <a:endParaRPr lang="pl-PL"/>
           </a:p>
@@ -3020,7 +3020,7 @@
           <a:p>
             <a:fld id="{D17C0673-4D49-4E82-8C72-D8AA60F272CB}" type="datetimeFigureOut">
               <a:rPr lang="pl-PL" smtClean="0"/>
-              <a:t>26.11.2025</a:t>
+              <a:t>28.11.2025</a:t>
             </a:fld>
             <a:endParaRPr lang="pl-PL"/>
           </a:p>
@@ -3200,7 +3200,7 @@
           <a:p>
             <a:fld id="{D17C0673-4D49-4E82-8C72-D8AA60F272CB}" type="datetimeFigureOut">
               <a:rPr lang="pl-PL" smtClean="0"/>
-              <a:t>26.11.2025</a:t>
+              <a:t>28.11.2025</a:t>
             </a:fld>
             <a:endParaRPr lang="pl-PL"/>
           </a:p>
@@ -3370,7 +3370,7 @@
           <a:p>
             <a:fld id="{D17C0673-4D49-4E82-8C72-D8AA60F272CB}" type="datetimeFigureOut">
               <a:rPr lang="pl-PL" smtClean="0"/>
-              <a:t>26.11.2025</a:t>
+              <a:t>28.11.2025</a:t>
             </a:fld>
             <a:endParaRPr lang="pl-PL"/>
           </a:p>
@@ -3627,7 +3627,7 @@
           <a:p>
             <a:fld id="{D17C0673-4D49-4E82-8C72-D8AA60F272CB}" type="datetimeFigureOut">
               <a:rPr lang="pl-PL" smtClean="0"/>
-              <a:t>26.11.2025</a:t>
+              <a:t>28.11.2025</a:t>
             </a:fld>
             <a:endParaRPr lang="pl-PL"/>
           </a:p>
@@ -3859,7 +3859,7 @@
           <a:p>
             <a:fld id="{D17C0673-4D49-4E82-8C72-D8AA60F272CB}" type="datetimeFigureOut">
               <a:rPr lang="pl-PL" smtClean="0"/>
-              <a:t>26.11.2025</a:t>
+              <a:t>28.11.2025</a:t>
             </a:fld>
             <a:endParaRPr lang="pl-PL"/>
           </a:p>
@@ -4252,7 +4252,7 @@
           <a:p>
             <a:fld id="{D17C0673-4D49-4E82-8C72-D8AA60F272CB}" type="datetimeFigureOut">
               <a:rPr lang="pl-PL" smtClean="0"/>
-              <a:t>26.11.2025</a:t>
+              <a:t>28.11.2025</a:t>
             </a:fld>
             <a:endParaRPr lang="pl-PL"/>
           </a:p>
@@ -4370,7 +4370,7 @@
           <a:p>
             <a:fld id="{D17C0673-4D49-4E82-8C72-D8AA60F272CB}" type="datetimeFigureOut">
               <a:rPr lang="pl-PL" smtClean="0"/>
-              <a:t>26.11.2025</a:t>
+              <a:t>28.11.2025</a:t>
             </a:fld>
             <a:endParaRPr lang="pl-PL"/>
           </a:p>
@@ -4465,7 +4465,7 @@
           <a:p>
             <a:fld id="{D17C0673-4D49-4E82-8C72-D8AA60F272CB}" type="datetimeFigureOut">
               <a:rPr lang="pl-PL" smtClean="0"/>
-              <a:t>26.11.2025</a:t>
+              <a:t>28.11.2025</a:t>
             </a:fld>
             <a:endParaRPr lang="pl-PL"/>
           </a:p>
@@ -4738,7 +4738,7 @@
           <a:p>
             <a:fld id="{D17C0673-4D49-4E82-8C72-D8AA60F272CB}" type="datetimeFigureOut">
               <a:rPr lang="pl-PL" smtClean="0"/>
-              <a:t>26.11.2025</a:t>
+              <a:t>28.11.2025</a:t>
             </a:fld>
             <a:endParaRPr lang="pl-PL"/>
           </a:p>
@@ -5019,7 +5019,7 @@
           <a:p>
             <a:fld id="{D17C0673-4D49-4E82-8C72-D8AA60F272CB}" type="datetimeFigureOut">
               <a:rPr lang="pl-PL" smtClean="0"/>
-              <a:t>26.11.2025</a:t>
+              <a:t>28.11.2025</a:t>
             </a:fld>
             <a:endParaRPr lang="pl-PL"/>
           </a:p>
@@ -5259,7 +5259,7 @@
           <a:p>
             <a:fld id="{D17C0673-4D49-4E82-8C72-D8AA60F272CB}" type="datetimeFigureOut">
               <a:rPr lang="pl-PL" smtClean="0"/>
-              <a:t>26.11.2025</a:t>
+              <a:t>28.11.2025</a:t>
             </a:fld>
             <a:endParaRPr lang="pl-PL"/>
           </a:p>
@@ -11179,6 +11179,7 @@
             </a:extLst>
           </p:cNvPr>
           <p:cNvCxnSpPr>
+            <a:cxnSpLocks/>
             <a:stCxn id="4" idx="3"/>
             <a:endCxn id="25" idx="1"/>
           </p:cNvCxnSpPr>
@@ -11432,6 +11433,7 @@
             </a:extLst>
           </p:cNvPr>
           <p:cNvCxnSpPr>
+            <a:cxnSpLocks/>
             <a:stCxn id="25" idx="3"/>
             <a:endCxn id="22" idx="1"/>
           </p:cNvCxnSpPr>
@@ -11749,47 +11751,6 @@
           </a:fontRef>
         </p:style>
       </p:cxnSp>
-      <p:cxnSp>
-        <p:nvCxnSpPr>
-          <p:cNvPr id="39" name="Straight Arrow Connector 38">
-            <a:extLst>
-              <a:ext uri="{FF2B5EF4-FFF2-40B4-BE49-F238E27FC236}">
-                <a16:creationId xmlns:a16="http://schemas.microsoft.com/office/drawing/2014/main" id="{2B2E2071-9B9D-A638-CDD1-C00C6F9B63BA}"/>
-              </a:ext>
-            </a:extLst>
-          </p:cNvPr>
-          <p:cNvCxnSpPr>
-            <a:endCxn id="25" idx="1"/>
-          </p:cNvCxnSpPr>
-          <p:nvPr/>
-        </p:nvCxnSpPr>
-        <p:spPr>
-          <a:xfrm>
-            <a:off x="2980372" y="4038996"/>
-            <a:ext cx="460916" cy="0"/>
-          </a:xfrm>
-          <a:prstGeom prst="straightConnector1">
-            <a:avLst/>
-          </a:prstGeom>
-          <a:ln>
-            <a:tailEnd type="triangle"/>
-          </a:ln>
-        </p:spPr>
-        <p:style>
-          <a:lnRef idx="1">
-            <a:schemeClr val="accent3"/>
-          </a:lnRef>
-          <a:fillRef idx="0">
-            <a:schemeClr val="accent3"/>
-          </a:fillRef>
-          <a:effectRef idx="0">
-            <a:schemeClr val="accent3"/>
-          </a:effectRef>
-          <a:fontRef idx="minor">
-            <a:schemeClr val="tx1"/>
-          </a:fontRef>
-        </p:style>
-      </p:cxnSp>
       <p:sp>
         <p:nvSpPr>
           <p:cNvPr id="44" name="Freeform: Shape 43">
@@ -11944,6 +11905,45 @@
           <a:xfrm flipH="1">
             <a:off x="1373458" y="3884352"/>
             <a:ext cx="7975" cy="534213"/>
+          </a:xfrm>
+          <a:prstGeom prst="straightConnector1">
+            <a:avLst/>
+          </a:prstGeom>
+          <a:ln>
+            <a:tailEnd type="triangle"/>
+          </a:ln>
+        </p:spPr>
+        <p:style>
+          <a:lnRef idx="1">
+            <a:schemeClr val="accent6"/>
+          </a:lnRef>
+          <a:fillRef idx="0">
+            <a:schemeClr val="accent6"/>
+          </a:fillRef>
+          <a:effectRef idx="0">
+            <a:schemeClr val="accent6"/>
+          </a:effectRef>
+          <a:fontRef idx="minor">
+            <a:schemeClr val="tx1"/>
+          </a:fontRef>
+        </p:style>
+      </p:cxnSp>
+      <p:cxnSp>
+        <p:nvCxnSpPr>
+          <p:cNvPr id="7" name="Straight Arrow Connector 6">
+            <a:extLst>
+              <a:ext uri="{FF2B5EF4-FFF2-40B4-BE49-F238E27FC236}">
+                <a16:creationId xmlns:a16="http://schemas.microsoft.com/office/drawing/2014/main" id="{32698507-F0C8-E9A7-5C14-1D0DAE0103DB}"/>
+              </a:ext>
+            </a:extLst>
+          </p:cNvPr>
+          <p:cNvCxnSpPr/>
+          <p:nvPr/>
+        </p:nvCxnSpPr>
+        <p:spPr>
+          <a:xfrm flipH="1">
+            <a:off x="4231970" y="4407706"/>
+            <a:ext cx="1" cy="267106"/>
           </a:xfrm>
           <a:prstGeom prst="straightConnector1">
             <a:avLst/>
